--- a/Capstone Project- Amazon customer review analysis/Project Presentation.pptx
+++ b/Capstone Project- Amazon customer review analysis/Project Presentation.pptx
@@ -8390,7 +8390,7 @@
         </p:spPr>
         <p:txBody>
           <a:bodyPr spcFirstLastPara="1" wrap="square" lIns="91425" tIns="91425" rIns="91425" bIns="91425" anchor="t" anchorCtr="0">
-            <a:normAutofit fontScale="92500" lnSpcReduction="20000"/>
+            <a:normAutofit fontScale="85000" lnSpcReduction="20000"/>
           </a:bodyPr>
           <a:lstStyle/>
           <a:p>
@@ -8404,7 +8404,7 @@
               <a:buNone/>
             </a:pPr>
             <a:r>
-              <a:rPr lang="en" sz="1900" dirty="0">
+              <a:rPr lang="en" sz="1900">
                 <a:latin typeface="Times New Roman"/>
                 <a:ea typeface="Times New Roman"/>
                 <a:cs typeface="Times New Roman"/>
@@ -8413,7 +8413,7 @@
               <a:t>                                                      </a:t>
             </a:r>
             <a:r>
-              <a:rPr lang="en" sz="2000" dirty="0">
+              <a:rPr lang="en" sz="2000">
                 <a:solidFill>
                   <a:schemeClr val="dk1"/>
                 </a:solidFill>
@@ -8424,7 +8424,7 @@
               </a:rPr>
               <a:t>Under Guidance Of</a:t>
             </a:r>
-            <a:endParaRPr sz="2000" dirty="0">
+            <a:endParaRPr sz="2000">
               <a:solidFill>
                 <a:schemeClr val="dk1"/>
               </a:solidFill>
@@ -8445,7 +8445,7 @@
               <a:buNone/>
             </a:pPr>
             <a:r>
-              <a:rPr lang="en" sz="2000" dirty="0">
+              <a:rPr lang="en" sz="2000">
                 <a:solidFill>
                   <a:schemeClr val="dk1"/>
                 </a:solidFill>
@@ -8456,7 +8456,7 @@
               </a:rPr>
               <a:t>                                                      Dr. Amit Kumar</a:t>
             </a:r>
-            <a:endParaRPr sz="2000" dirty="0">
+            <a:endParaRPr sz="2000">
               <a:solidFill>
                 <a:schemeClr val="dk1"/>
               </a:solidFill>
@@ -8476,7 +8476,7 @@
               </a:spcAft>
               <a:buNone/>
             </a:pPr>
-            <a:endParaRPr sz="2000" dirty="0">
+            <a:endParaRPr sz="2000">
               <a:solidFill>
                 <a:schemeClr val="dk1"/>
               </a:solidFill>
@@ -8496,7 +8496,7 @@
               </a:spcAft>
               <a:buNone/>
             </a:pPr>
-            <a:endParaRPr sz="2000" dirty="0">
+            <a:endParaRPr sz="2000">
               <a:solidFill>
                 <a:schemeClr val="dk1"/>
               </a:solidFill>
@@ -8516,7 +8516,7 @@
               </a:spcAft>
               <a:buNone/>
             </a:pPr>
-            <a:endParaRPr sz="1900" dirty="0">
+            <a:endParaRPr sz="1900">
               <a:solidFill>
                 <a:schemeClr val="dk1"/>
               </a:solidFill>
@@ -8536,7 +8536,7 @@
               </a:spcAft>
               <a:buNone/>
             </a:pPr>
-            <a:endParaRPr sz="1900" dirty="0">
+            <a:endParaRPr sz="1900">
               <a:solidFill>
                 <a:schemeClr val="dk1"/>
               </a:solidFill>
@@ -8557,7 +8557,7 @@
               <a:buNone/>
             </a:pPr>
             <a:r>
-              <a:rPr lang="en" sz="1900" dirty="0">
+              <a:rPr lang="en" sz="1900">
                 <a:solidFill>
                   <a:schemeClr val="dk1"/>
                 </a:solidFill>
@@ -8568,7 +8568,7 @@
               </a:rPr>
               <a:t>Presented By : </a:t>
             </a:r>
-            <a:endParaRPr sz="1900" dirty="0">
+            <a:endParaRPr sz="1900">
               <a:solidFill>
                 <a:schemeClr val="dk1"/>
               </a:solidFill>
@@ -8589,7 +8589,7 @@
               <a:buNone/>
             </a:pPr>
             <a:r>
-              <a:rPr lang="en" sz="1900" dirty="0" smtClean="0">
+              <a:rPr lang="en" sz="1900">
                 <a:solidFill>
                   <a:schemeClr val="dk1"/>
                 </a:solidFill>
@@ -8598,9 +8598,172 @@
                 <a:cs typeface="Times New Roman"/>
                 <a:sym typeface="Times New Roman"/>
               </a:rPr>
-              <a:t>Subhranil Mondal</a:t>
+              <a:t>Sania Inamdar       Subhranil Mondal       Tejaswini Dhangar      Yash Singh </a:t>
             </a:r>
-            <a:endParaRPr dirty="0"/>
+            <a:r>
+              <a:rPr lang="en"/>
+              <a:t>                                                                        </a:t>
+            </a:r>
+            <a:endParaRPr/>
+          </a:p>
+        </p:txBody>
+      </p:sp>
+      <p:sp>
+        <p:nvSpPr>
+          <p:cNvPr id="56" name="Google Shape;56;p13"/>
+          <p:cNvSpPr/>
+          <p:nvPr/>
+        </p:nvSpPr>
+        <p:spPr>
+          <a:xfrm>
+            <a:off x="1687133" y="4187667"/>
+            <a:ext cx="111000" cy="118500"/>
+          </a:xfrm>
+          <a:prstGeom prst="flowChartConnector">
+            <a:avLst/>
+          </a:prstGeom>
+          <a:solidFill>
+            <a:schemeClr val="dk1"/>
+          </a:solidFill>
+          <a:ln w="9525" cap="flat" cmpd="sng">
+            <a:solidFill>
+              <a:schemeClr val="dk1"/>
+            </a:solidFill>
+            <a:prstDash val="solid"/>
+            <a:round/>
+            <a:headEnd type="none" w="sm" len="sm"/>
+            <a:tailEnd type="none" w="sm" len="sm"/>
+          </a:ln>
+          <a:effectLst>
+            <a:outerShdw blurRad="57150" dist="19050" dir="5400000" algn="bl" rotWithShape="0">
+              <a:srgbClr val="000000">
+                <a:alpha val="50000"/>
+              </a:srgbClr>
+            </a:outerShdw>
+          </a:effectLst>
+        </p:spPr>
+        <p:txBody>
+          <a:bodyPr spcFirstLastPara="1" wrap="square" lIns="91425" tIns="91425" rIns="91425" bIns="91425" anchor="ctr" anchorCtr="0">
+            <a:noAutofit/>
+          </a:bodyPr>
+          <a:lstStyle/>
+          <a:p>
+            <a:pPr marL="0" lvl="0" indent="0" algn="l" rtl="0">
+              <a:spcBef>
+                <a:spcPts val="0"/>
+              </a:spcBef>
+              <a:spcAft>
+                <a:spcPts val="0"/>
+              </a:spcAft>
+              <a:buNone/>
+            </a:pPr>
+            <a:endParaRPr/>
+          </a:p>
+        </p:txBody>
+      </p:sp>
+      <p:sp>
+        <p:nvSpPr>
+          <p:cNvPr id="57" name="Google Shape;57;p13"/>
+          <p:cNvSpPr/>
+          <p:nvPr/>
+        </p:nvSpPr>
+        <p:spPr>
+          <a:xfrm>
+            <a:off x="3526584" y="4194153"/>
+            <a:ext cx="111000" cy="118500"/>
+          </a:xfrm>
+          <a:prstGeom prst="flowChartConnector">
+            <a:avLst/>
+          </a:prstGeom>
+          <a:solidFill>
+            <a:schemeClr val="dk1"/>
+          </a:solidFill>
+          <a:ln w="9525" cap="flat" cmpd="sng">
+            <a:solidFill>
+              <a:schemeClr val="dk1"/>
+            </a:solidFill>
+            <a:prstDash val="solid"/>
+            <a:round/>
+            <a:headEnd type="none" w="sm" len="sm"/>
+            <a:tailEnd type="none" w="sm" len="sm"/>
+          </a:ln>
+          <a:effectLst>
+            <a:outerShdw blurRad="57150" dist="19050" dir="5400000" algn="bl" rotWithShape="0">
+              <a:srgbClr val="000000">
+                <a:alpha val="50000"/>
+              </a:srgbClr>
+            </a:outerShdw>
+          </a:effectLst>
+        </p:spPr>
+        <p:txBody>
+          <a:bodyPr spcFirstLastPara="1" wrap="square" lIns="91425" tIns="91425" rIns="91425" bIns="91425" anchor="ctr" anchorCtr="0">
+            <a:noAutofit/>
+          </a:bodyPr>
+          <a:lstStyle/>
+          <a:p>
+            <a:pPr marL="0" lvl="0" indent="0" algn="l" rtl="0">
+              <a:spcBef>
+                <a:spcPts val="0"/>
+              </a:spcBef>
+              <a:spcAft>
+                <a:spcPts val="0"/>
+              </a:spcAft>
+              <a:buNone/>
+            </a:pPr>
+            <a:endParaRPr/>
+          </a:p>
+        </p:txBody>
+      </p:sp>
+      <p:sp>
+        <p:nvSpPr>
+          <p:cNvPr id="58" name="Google Shape;58;p13"/>
+          <p:cNvSpPr/>
+          <p:nvPr/>
+        </p:nvSpPr>
+        <p:spPr>
+          <a:xfrm>
+            <a:off x="5424401" y="4181183"/>
+            <a:ext cx="111000" cy="118500"/>
+          </a:xfrm>
+          <a:prstGeom prst="flowChartConnector">
+            <a:avLst/>
+          </a:prstGeom>
+          <a:solidFill>
+            <a:schemeClr val="dk1"/>
+          </a:solidFill>
+          <a:ln w="9525" cap="flat" cmpd="sng">
+            <a:solidFill>
+              <a:schemeClr val="dk1"/>
+            </a:solidFill>
+            <a:prstDash val="solid"/>
+            <a:round/>
+            <a:headEnd type="none" w="sm" len="sm"/>
+            <a:tailEnd type="none" w="sm" len="sm"/>
+          </a:ln>
+          <a:effectLst>
+            <a:outerShdw blurRad="57150" dist="19050" dir="5400000" algn="bl" rotWithShape="0">
+              <a:srgbClr val="000000">
+                <a:alpha val="50000"/>
+              </a:srgbClr>
+            </a:outerShdw>
+          </a:effectLst>
+        </p:spPr>
+        <p:txBody>
+          <a:bodyPr spcFirstLastPara="1" wrap="square" lIns="91425" tIns="91425" rIns="91425" bIns="91425" anchor="ctr" anchorCtr="0">
+            <a:noAutofit/>
+          </a:bodyPr>
+          <a:lstStyle/>
+          <a:p>
+            <a:pPr marL="0" lvl="0" indent="0" algn="l" rtl="0">
+              <a:spcBef>
+                <a:spcPts val="0"/>
+              </a:spcBef>
+              <a:spcAft>
+                <a:spcPts val="0"/>
+              </a:spcAft>
+              <a:buNone/>
+            </a:pPr>
+            <a:endParaRPr/>
           </a:p>
         </p:txBody>
       </p:sp>
@@ -9442,14 +9605,14 @@
         </p:nvGraphicFramePr>
         <p:xfrm>
           <a:off x="845400" y="1731775"/>
-          <a:ext cx="7567500" cy="3271325"/>
+          <a:ext cx="3000000" cy="3000000"/>
         </p:xfrm>
         <a:graphic>
           <a:graphicData uri="http://schemas.openxmlformats.org/drawingml/2006/table">
             <a:tbl>
               <a:tblPr>
                 <a:noFill/>
-                <a:tableStyleId>{44C8508A-5523-4C47-B12D-28A365F409F4}</a:tableStyleId>
+                <a:tableStyleId>{33C01E23-CDBC-4D14-BEC6-03BF96D5778B}</a:tableStyleId>
               </a:tblPr>
               <a:tblGrid>
                 <a:gridCol w="7567500"/>
@@ -11999,14 +12162,14 @@
         </p:nvGraphicFramePr>
         <p:xfrm>
           <a:off x="311700" y="2720125"/>
-          <a:ext cx="3159300" cy="1890378"/>
+          <a:ext cx="3000000" cy="3000000"/>
         </p:xfrm>
         <a:graphic>
           <a:graphicData uri="http://schemas.openxmlformats.org/drawingml/2006/table">
             <a:tbl>
               <a:tblPr>
                 <a:noFill/>
-                <a:tableStyleId>{983C9231-32A7-4B54-B78A-1116EF475471}</a:tableStyleId>
+                <a:tableStyleId>{FE5C25A9-EDF1-47F6-A92D-33BCC5775516}</a:tableStyleId>
               </a:tblPr>
               <a:tblGrid>
                 <a:gridCol w="1887550"/>
@@ -13780,14 +13943,14 @@
         </p:nvGraphicFramePr>
         <p:xfrm>
           <a:off x="952500" y="977175"/>
-          <a:ext cx="7239000" cy="3703200"/>
+          <a:ext cx="3000000" cy="3000000"/>
         </p:xfrm>
         <a:graphic>
           <a:graphicData uri="http://schemas.openxmlformats.org/drawingml/2006/table">
             <a:tbl>
               <a:tblPr>
                 <a:noFill/>
-                <a:tableStyleId>{44C8508A-5523-4C47-B12D-28A365F409F4}</a:tableStyleId>
+                <a:tableStyleId>{33C01E23-CDBC-4D14-BEC6-03BF96D5778B}</a:tableStyleId>
               </a:tblPr>
               <a:tblGrid>
                 <a:gridCol w="2413000"/>
@@ -26138,14 +26301,14 @@
         </p:nvGraphicFramePr>
         <p:xfrm>
           <a:off x="0" y="510500"/>
-          <a:ext cx="9144000" cy="3323120"/>
+          <a:ext cx="3000000" cy="3000000"/>
         </p:xfrm>
         <a:graphic>
           <a:graphicData uri="http://schemas.openxmlformats.org/drawingml/2006/table">
             <a:tbl>
               <a:tblPr>
                 <a:noFill/>
-                <a:tableStyleId>{44C8508A-5523-4C47-B12D-28A365F409F4}</a:tableStyleId>
+                <a:tableStyleId>{33C01E23-CDBC-4D14-BEC6-03BF96D5778B}</a:tableStyleId>
               </a:tblPr>
               <a:tblGrid>
                 <a:gridCol w="3048000"/>
